--- a/Lecture_1-Course-Introduction/Course-Introduction.pptx
+++ b/Lecture_1-Course-Introduction/Course-Introduction.pptx
@@ -287,7 +287,7 @@
       </p15:sldGuideLst>
     </p:ext>
     <p:ext uri="http://customooxmlschemas.google.com/">
-      <go:slidesCustomData xmlns="" xmlns:mc="http://schemas.openxmlformats.org/markup-compatibility/2006" xmlns:mv="urn:schemas-microsoft-com:mac:vml" xmlns:c="http://schemas.openxmlformats.org/drawingml/2006/chart" xmlns:dgm="http://schemas.openxmlformats.org/drawingml/2006/diagram" xmlns:o="urn:schemas-microsoft-com:office:office" xmlns:v="urn:schemas-microsoft-com:vml" xmlns:pvml="urn:schemas-microsoft-com:office:powerpoint" xmlns:com="http://schemas.openxmlformats.org/drawingml/2006/compatibility" xmlns:p14="http://schemas.microsoft.com/office/powerpoint/2010/main" xmlns:p15="http://schemas.microsoft.com/office/powerpoint/2012/main" xmlns:ahyp="http://schemas.microsoft.com/office/drawing/2018/hyperlinkcolor" xmlns:go="http://customooxmlschemas.google.com/" r:id="rId43" roundtripDataSignature="AMtx7mgCuaoS/ao6GLJNkk1J/HieLCYVzQ=="/>
+      <go:slidesCustomData xmlns:go="http://customooxmlschemas.google.com/" xmlns:ahyp="http://schemas.microsoft.com/office/drawing/2018/hyperlinkcolor" xmlns:p15="http://schemas.microsoft.com/office/powerpoint/2012/main" xmlns:p14="http://schemas.microsoft.com/office/powerpoint/2010/main" xmlns:com="http://schemas.openxmlformats.org/drawingml/2006/compatibility" xmlns:pvml="urn:schemas-microsoft-com:office:powerpoint" xmlns:v="urn:schemas-microsoft-com:vml" xmlns:o="urn:schemas-microsoft-com:office:office" xmlns:dgm="http://schemas.openxmlformats.org/drawingml/2006/diagram" xmlns:c="http://schemas.openxmlformats.org/drawingml/2006/chart" xmlns:mv="urn:schemas-microsoft-com:mac:vml" xmlns:mc="http://schemas.openxmlformats.org/markup-compatibility/2006" xmlns="" r:id="rId43" roundtripDataSignature="AMtx7mgCuaoS/ao6GLJNkk1J/HieLCYVzQ=="/>
     </p:ext>
   </p:extLst>
 </p:presentation>
@@ -19943,7 +19943,7 @@
             </a:r>
             <a:r>
               <a:rPr lang="en-US" sz="2400" baseline="-25000" dirty="0" err="1"/>
-              <a:t>n</a:t>
+              <a:t>N</a:t>
             </a:r>
             <a:r>
               <a:rPr lang="en-US" sz="2400" dirty="0"/>
@@ -20195,8 +20195,8 @@
               <a:t>x</a:t>
             </a:r>
             <a:r>
-              <a:rPr lang="en-US" baseline="-25000" dirty="0" err="1"/>
-              <a:t>n</a:t>
+              <a:rPr lang="en-US" i="1" baseline="-25000" dirty="0" err="1"/>
+              <a:t>N</a:t>
             </a:r>
             <a:endParaRPr lang="en-US" i="1" dirty="0"/>
           </a:p>
@@ -24335,9 +24335,9 @@
         <p:grpSpPr>
           <a:xfrm>
             <a:off x="396473" y="1742485"/>
-            <a:ext cx="7368712" cy="663713"/>
+            <a:ext cx="7402695" cy="663713"/>
             <a:chOff x="322903" y="1237986"/>
-            <a:chExt cx="7368712" cy="663713"/>
+            <a:chExt cx="7402695" cy="663713"/>
           </a:xfrm>
         </p:grpSpPr>
         <mc:AlternateContent xmlns:mc="http://schemas.openxmlformats.org/markup-compatibility/2006" xmlns:a14="http://schemas.microsoft.com/office/drawing/2010/main">
@@ -24652,8 +24652,8 @@
             </p:sp>
           </mc:Fallback>
         </mc:AlternateContent>
-        <mc:AlternateContent xmlns:mc="http://schemas.openxmlformats.org/markup-compatibility/2006" xmlns:a14="http://schemas.microsoft.com/office/drawing/2010/main">
-          <mc:Choice Requires="a14">
+        <mc:AlternateContent xmlns:mc="http://schemas.openxmlformats.org/markup-compatibility/2006">
+          <mc:Choice xmlns:a14="http://schemas.microsoft.com/office/drawing/2010/main" Requires="a14">
             <p:sp>
               <p:nvSpPr>
                 <p:cNvPr id="38" name="TextBox 37">
@@ -24669,7 +24669,7 @@
               <p:spPr>
                 <a:xfrm>
                   <a:off x="3641321" y="1237986"/>
-                  <a:ext cx="1147750" cy="276999"/>
+                  <a:ext cx="1184683" cy="276999"/>
                 </a:xfrm>
                 <a:prstGeom prst="rect">
                   <a:avLst/>
@@ -24724,7 +24724,7 @@
                         <a:rPr lang="en-US" sz="1800" b="0" i="1" smtClean="0">
                           <a:latin typeface="Cambria Math" panose="02040503050406030204" pitchFamily="18" charset="0"/>
                         </a:rPr>
-                        <m:t>𝑛</m:t>
+                        <m:t>𝑁</m:t>
                       </m:r>
                       <m:r>
                         <a:rPr lang="en-US" sz="1800" b="0" i="1" smtClean="0">
@@ -24739,7 +24739,7 @@
               </p:txBody>
             </p:sp>
           </mc:Choice>
-          <mc:Fallback xmlns="">
+          <mc:Fallback>
             <p:sp>
               <p:nvSpPr>
                 <p:cNvPr id="38" name="TextBox 37">
@@ -24757,7 +24757,7 @@
               <p:spPr>
                 <a:xfrm>
                   <a:off x="3641321" y="1237986"/>
-                  <a:ext cx="1147750" cy="276999"/>
+                  <a:ext cx="1184683" cy="276999"/>
                 </a:xfrm>
                 <a:prstGeom prst="rect">
                   <a:avLst/>
@@ -24765,7 +24765,7 @@
                 <a:blipFill>
                   <a:blip r:embed="rId12"/>
                   <a:stretch>
-                    <a:fillRect l="-4348" t="-27273" r="-5435" b="-54545"/>
+                    <a:fillRect l="-4255" t="-27273" r="-6383" b="-54545"/>
                   </a:stretch>
                 </a:blipFill>
               </p:spPr>
@@ -24784,8 +24784,8 @@
             </p:sp>
           </mc:Fallback>
         </mc:AlternateContent>
-        <mc:AlternateContent xmlns:mc="http://schemas.openxmlformats.org/markup-compatibility/2006" xmlns:a14="http://schemas.microsoft.com/office/drawing/2010/main">
-          <mc:Choice Requires="a14">
+        <mc:AlternateContent xmlns:mc="http://schemas.openxmlformats.org/markup-compatibility/2006">
+          <mc:Choice xmlns:a14="http://schemas.microsoft.com/office/drawing/2010/main" Requires="a14">
             <p:sp>
               <p:nvSpPr>
                 <p:cNvPr id="39" name="TextBox 38">
@@ -24801,7 +24801,7 @@
               <p:spPr>
                 <a:xfrm>
                   <a:off x="3624978" y="1584920"/>
-                  <a:ext cx="873572" cy="276999"/>
+                  <a:ext cx="947439" cy="276999"/>
                 </a:xfrm>
                 <a:prstGeom prst="rect">
                   <a:avLst/>
@@ -24840,7 +24840,7 @@
                         <a:rPr lang="en-US" sz="1800" b="0" i="1" smtClean="0">
                           <a:latin typeface="Cambria Math" panose="02040503050406030204" pitchFamily="18" charset="0"/>
                         </a:rPr>
-                        <m:t>𝑛</m:t>
+                        <m:t>𝑁</m:t>
                       </m:r>
                       <m:r>
                         <a:rPr lang="en-US" sz="1800" b="0" i="1" smtClean="0">
@@ -24852,7 +24852,7 @@
                         <a:rPr lang="en-US" sz="1800" b="0" i="1" smtClean="0">
                           <a:latin typeface="Cambria Math" panose="02040503050406030204" pitchFamily="18" charset="0"/>
                         </a:rPr>
-                        <m:t>𝑛</m:t>
+                        <m:t>𝑁</m:t>
                       </m:r>
                     </m:oMath>
                   </a14:m>
@@ -24861,7 +24861,7 @@
               </p:txBody>
             </p:sp>
           </mc:Choice>
-          <mc:Fallback xmlns="">
+          <mc:Fallback>
             <p:sp>
               <p:nvSpPr>
                 <p:cNvPr id="39" name="TextBox 38">
@@ -24879,7 +24879,7 @@
               <p:spPr>
                 <a:xfrm>
                   <a:off x="3624978" y="1584920"/>
-                  <a:ext cx="873572" cy="276999"/>
+                  <a:ext cx="947439" cy="276999"/>
                 </a:xfrm>
                 <a:prstGeom prst="rect">
                   <a:avLst/>
@@ -24887,7 +24887,7 @@
                 <a:blipFill>
                   <a:blip r:embed="rId13"/>
                   <a:stretch>
-                    <a:fillRect l="-8696" t="-26087" r="-5797" b="-47826"/>
+                    <a:fillRect l="-8000" t="-26087" r="-8000" b="-47826"/>
                   </a:stretch>
                 </a:blipFill>
               </p:spPr>
@@ -24906,8 +24906,8 @@
             </p:sp>
           </mc:Fallback>
         </mc:AlternateContent>
-        <mc:AlternateContent xmlns:mc="http://schemas.openxmlformats.org/markup-compatibility/2006" xmlns:a14="http://schemas.microsoft.com/office/drawing/2010/main">
-          <mc:Choice Requires="a14">
+        <mc:AlternateContent xmlns:mc="http://schemas.openxmlformats.org/markup-compatibility/2006">
+          <mc:Choice xmlns:a14="http://schemas.microsoft.com/office/drawing/2010/main" Requires="a14">
             <p:sp>
               <p:nvSpPr>
                 <p:cNvPr id="40" name="Rectangle 39">
@@ -24923,7 +24923,7 @@
               <p:spPr>
                 <a:xfrm>
                   <a:off x="5010184" y="1532367"/>
-                  <a:ext cx="1066702" cy="369332"/>
+                  <a:ext cx="1120884" cy="369332"/>
                 </a:xfrm>
                 <a:prstGeom prst="rect">
                   <a:avLst/>
@@ -24958,13 +24958,13 @@
                   <a14:m>
                     <m:oMath xmlns:m="http://schemas.openxmlformats.org/officeDocument/2006/math">
                       <m:r>
-                        <a:rPr lang="en-US" sz="1800" i="1">
+                        <a:rPr lang="en-US" sz="1800" b="0" i="1" smtClean="0">
                           <a:latin typeface="Cambria Math" panose="02040503050406030204" pitchFamily="18" charset="0"/>
                         </a:rPr>
-                        <m:t>𝑛</m:t>
+                        <m:t>𝑁</m:t>
                       </m:r>
                       <m:r>
-                        <a:rPr lang="en-US" sz="1800" i="1">
+                        <a:rPr lang="en-US" sz="1800" b="0" i="1" smtClean="0">
                           <a:latin typeface="Cambria Math" panose="02040503050406030204" pitchFamily="18" charset="0"/>
                         </a:rPr>
                         <m:t>×</m:t>
@@ -24973,7 +24973,7 @@
                         <a:rPr lang="en-US" sz="1800" b="0" i="1" smtClean="0">
                           <a:latin typeface="Cambria Math" panose="02040503050406030204" pitchFamily="18" charset="0"/>
                         </a:rPr>
-                        <m:t>𝑝</m:t>
+                        <m:t>𝑃</m:t>
                       </m:r>
                     </m:oMath>
                   </a14:m>
@@ -24982,7 +24982,7 @@
               </p:txBody>
             </p:sp>
           </mc:Choice>
-          <mc:Fallback xmlns="">
+          <mc:Fallback>
             <p:sp>
               <p:nvSpPr>
                 <p:cNvPr id="40" name="Rectangle 39">
@@ -25000,7 +25000,7 @@
               <p:spPr>
                 <a:xfrm>
                   <a:off x="5010184" y="1532367"/>
-                  <a:ext cx="1066702" cy="369332"/>
+                  <a:ext cx="1120884" cy="369332"/>
                 </a:xfrm>
                 <a:prstGeom prst="rect">
                   <a:avLst/>
@@ -25027,8 +25027,8 @@
             </p:sp>
           </mc:Fallback>
         </mc:AlternateContent>
-        <mc:AlternateContent xmlns:mc="http://schemas.openxmlformats.org/markup-compatibility/2006" xmlns:a14="http://schemas.microsoft.com/office/drawing/2010/main">
-          <mc:Choice Requires="a14">
+        <mc:AlternateContent xmlns:mc="http://schemas.openxmlformats.org/markup-compatibility/2006">
+          <mc:Choice xmlns:a14="http://schemas.microsoft.com/office/drawing/2010/main" Requires="a14">
             <p:sp>
               <p:nvSpPr>
                 <p:cNvPr id="41" name="Rectangle 40">
@@ -25044,7 +25044,7 @@
               <p:spPr>
                 <a:xfrm>
                   <a:off x="6438890" y="1532367"/>
-                  <a:ext cx="1041439" cy="369332"/>
+                  <a:ext cx="1100814" cy="369332"/>
                 </a:xfrm>
                 <a:prstGeom prst="rect">
                   <a:avLst/>
@@ -25074,12 +25074,21 @@
                   </a14:m>
                   <a:r>
                     <a:rPr lang="en-US" sz="1800" dirty="0"/>
-                    <a:t>is q</a:t>
+                    <a:t>is </a:t>
                   </a:r>
                   <a14:m>
                     <m:oMath xmlns:m="http://schemas.openxmlformats.org/officeDocument/2006/math">
                       <m:r>
+                        <m:rPr>
+                          <m:sty m:val="p"/>
+                        </m:rPr>
                         <a:rPr lang="en-US" sz="1800" i="1">
+                          <a:latin typeface="Cambria Math" panose="02040503050406030204" pitchFamily="18" charset="0"/>
+                        </a:rPr>
+                        <m:t>Q</m:t>
+                      </m:r>
+                      <m:r>
+                        <a:rPr lang="en-US" sz="1800" b="0" i="1" smtClean="0">
                           <a:latin typeface="Cambria Math" panose="02040503050406030204" pitchFamily="18" charset="0"/>
                         </a:rPr>
                         <m:t>×</m:t>
@@ -25088,7 +25097,7 @@
                         <a:rPr lang="en-US" sz="1800" b="0" i="1" smtClean="0">
                           <a:latin typeface="Cambria Math" panose="02040503050406030204" pitchFamily="18" charset="0"/>
                         </a:rPr>
-                        <m:t>𝑛</m:t>
+                        <m:t>𝑁</m:t>
                       </m:r>
                     </m:oMath>
                   </a14:m>
@@ -25097,7 +25106,7 @@
               </p:txBody>
             </p:sp>
           </mc:Choice>
-          <mc:Fallback xmlns="">
+          <mc:Fallback>
             <p:sp>
               <p:nvSpPr>
                 <p:cNvPr id="41" name="Rectangle 40">
@@ -25115,7 +25124,7 @@
               <p:spPr>
                 <a:xfrm>
                   <a:off x="6438890" y="1532367"/>
-                  <a:ext cx="1041439" cy="369332"/>
+                  <a:ext cx="1100814" cy="369332"/>
                 </a:xfrm>
                 <a:prstGeom prst="rect">
                   <a:avLst/>
@@ -25142,8 +25151,8 @@
             </p:sp>
           </mc:Fallback>
         </mc:AlternateContent>
-        <mc:AlternateContent xmlns:mc="http://schemas.openxmlformats.org/markup-compatibility/2006" xmlns:a14="http://schemas.microsoft.com/office/drawing/2010/main">
-          <mc:Choice Requires="a14">
+        <mc:AlternateContent xmlns:mc="http://schemas.openxmlformats.org/markup-compatibility/2006">
+          <mc:Choice xmlns:a14="http://schemas.microsoft.com/office/drawing/2010/main" Requires="a14">
             <p:sp>
               <p:nvSpPr>
                 <p:cNvPr id="42" name="TextBox 41">
@@ -25159,7 +25168,7 @@
               <p:spPr>
                 <a:xfrm>
                   <a:off x="6557458" y="1237986"/>
-                  <a:ext cx="1134157" cy="276999"/>
+                  <a:ext cx="1168140" cy="276999"/>
                 </a:xfrm>
                 <a:prstGeom prst="rect">
                   <a:avLst/>
@@ -25204,10 +25213,16 @@
                   </a:r>
                   <a:r>
                     <a:rPr lang="en-US" sz="1800" dirty="0"/>
-                    <a:t>is q</a:t>
+                    <a:t>is </a:t>
                   </a:r>
                   <a14:m>
                     <m:oMath xmlns:m="http://schemas.openxmlformats.org/officeDocument/2006/math">
+                      <m:r>
+                        <a:rPr lang="en-US" sz="1800" b="0" i="1" smtClean="0">
+                          <a:latin typeface="Cambria Math" panose="02040503050406030204" pitchFamily="18" charset="0"/>
+                        </a:rPr>
+                        <m:t>𝑄</m:t>
+                      </m:r>
                       <m:r>
                         <a:rPr lang="en-US" sz="1800" b="0" i="1" smtClean="0">
                           <a:latin typeface="Cambria Math" panose="02040503050406030204" pitchFamily="18" charset="0"/>
@@ -25221,7 +25236,7 @@
               </p:txBody>
             </p:sp>
           </mc:Choice>
-          <mc:Fallback xmlns="">
+          <mc:Fallback>
             <p:sp>
               <p:nvSpPr>
                 <p:cNvPr id="42" name="TextBox 41">
@@ -25239,7 +25254,7 @@
               <p:spPr>
                 <a:xfrm>
                   <a:off x="6557458" y="1237986"/>
-                  <a:ext cx="1134157" cy="276999"/>
+                  <a:ext cx="1168140" cy="276999"/>
                 </a:xfrm>
                 <a:prstGeom prst="rect">
                   <a:avLst/>
@@ -25247,7 +25262,7 @@
                 <a:blipFill>
                   <a:blip r:embed="rId16"/>
                   <a:stretch>
-                    <a:fillRect l="-13333" t="-27273" r="-5556" b="-54545"/>
+                    <a:fillRect l="-13043" t="-27273" r="-6522" b="-54545"/>
                   </a:stretch>
                 </a:blipFill>
               </p:spPr>
@@ -25266,8 +25281,8 @@
             </p:sp>
           </mc:Fallback>
         </mc:AlternateContent>
-        <mc:AlternateContent xmlns:mc="http://schemas.openxmlformats.org/markup-compatibility/2006" xmlns:a14="http://schemas.microsoft.com/office/drawing/2010/main">
-          <mc:Choice Requires="a14">
+        <mc:AlternateContent xmlns:mc="http://schemas.openxmlformats.org/markup-compatibility/2006">
+          <mc:Choice xmlns:a14="http://schemas.microsoft.com/office/drawing/2010/main" Requires="a14">
             <p:sp>
               <p:nvSpPr>
                 <p:cNvPr id="43" name="TextBox 42">
@@ -25328,10 +25343,16 @@
                   </a:r>
                   <a:r>
                     <a:rPr lang="en-US" sz="1800" dirty="0"/>
-                    <a:t>is p</a:t>
+                    <a:t>is </a:t>
                   </a:r>
                   <a14:m>
                     <m:oMath xmlns:m="http://schemas.openxmlformats.org/officeDocument/2006/math">
+                      <m:r>
+                        <a:rPr lang="en-US" sz="1800" b="0" i="1" smtClean="0">
+                          <a:latin typeface="Cambria Math" panose="02040503050406030204" pitchFamily="18" charset="0"/>
+                        </a:rPr>
+                        <m:t>𝑃</m:t>
+                      </m:r>
                       <m:r>
                         <a:rPr lang="en-US" sz="1800" b="0" i="1" smtClean="0">
                           <a:latin typeface="Cambria Math" panose="02040503050406030204" pitchFamily="18" charset="0"/>
@@ -25345,7 +25366,7 @@
               </p:txBody>
             </p:sp>
           </mc:Choice>
-          <mc:Fallback xmlns="">
+          <mc:Fallback>
             <p:sp>
               <p:nvSpPr>
                 <p:cNvPr id="43" name="TextBox 42">
